--- a/ppt 16-9/0467.奉献.pptx
+++ b/ppt 16-9/0467.奉献.pptx
@@ -129,7 +129,7 @@
           <p:cNvPr id="2" name="标题 1">
             <a:extLst>
               <a:ext uri="{FF2B5EF4-FFF2-40B4-BE49-F238E27FC236}">
-                <a16:creationId xmlns:a16="http://schemas.microsoft.com/office/drawing/2014/main" id="{2167DDF8-9D90-1546-05E0-B8FDF0FA18AE}"/>
+                <a16:creationId xmlns:a16="http://schemas.microsoft.com/office/drawing/2014/main" id="{5F387D88-A66B-B072-064E-17D4AD0E088B}"/>
               </a:ext>
             </a:extLst>
           </p:cNvPr>
@@ -166,7 +166,7 @@
           <p:cNvPr id="3" name="副标题 2">
             <a:extLst>
               <a:ext uri="{FF2B5EF4-FFF2-40B4-BE49-F238E27FC236}">
-                <a16:creationId xmlns:a16="http://schemas.microsoft.com/office/drawing/2014/main" id="{D40935DC-57B7-C243-C09F-4FAA320EABC4}"/>
+                <a16:creationId xmlns:a16="http://schemas.microsoft.com/office/drawing/2014/main" id="{23BDA2FB-F148-F69E-73DD-8FEA292EEC2C}"/>
               </a:ext>
             </a:extLst>
           </p:cNvPr>
@@ -236,7 +236,7 @@
           <p:cNvPr id="4" name="日期占位符 3">
             <a:extLst>
               <a:ext uri="{FF2B5EF4-FFF2-40B4-BE49-F238E27FC236}">
-                <a16:creationId xmlns:a16="http://schemas.microsoft.com/office/drawing/2014/main" id="{0707F726-D512-1CA4-8584-C31541E646F0}"/>
+                <a16:creationId xmlns:a16="http://schemas.microsoft.com/office/drawing/2014/main" id="{59FD2627-427D-5009-D611-66D654C8DD3B}"/>
               </a:ext>
             </a:extLst>
           </p:cNvPr>
@@ -252,7 +252,7 @@
           <a:bodyPr/>
           <a:lstStyle/>
           <a:p>
-            <a:fld id="{BE750D46-49B0-41B1-B09B-2F74BE509FB5}" type="datetimeFigureOut">
+            <a:fld id="{B7D6264F-0FE8-40AB-8D76-76976CEDDABD}" type="datetimeFigureOut">
               <a:rPr lang="zh-CN" altLang="en-US" smtClean="0"/>
               <a:t>2024/3/10</a:t>
             </a:fld>
@@ -265,7 +265,7 @@
           <p:cNvPr id="5" name="页脚占位符 4">
             <a:extLst>
               <a:ext uri="{FF2B5EF4-FFF2-40B4-BE49-F238E27FC236}">
-                <a16:creationId xmlns:a16="http://schemas.microsoft.com/office/drawing/2014/main" id="{24BA81EA-2991-82FD-B545-2ABEE5EBED1D}"/>
+                <a16:creationId xmlns:a16="http://schemas.microsoft.com/office/drawing/2014/main" id="{935EE095-0BBA-45BF-968F-43DB63E7FF5C}"/>
               </a:ext>
             </a:extLst>
           </p:cNvPr>
@@ -290,7 +290,7 @@
           <p:cNvPr id="6" name="灯片编号占位符 5">
             <a:extLst>
               <a:ext uri="{FF2B5EF4-FFF2-40B4-BE49-F238E27FC236}">
-                <a16:creationId xmlns:a16="http://schemas.microsoft.com/office/drawing/2014/main" id="{48381D18-3A4E-205F-4898-82708665A02E}"/>
+                <a16:creationId xmlns:a16="http://schemas.microsoft.com/office/drawing/2014/main" id="{0C56D0E4-E0EC-59C4-0FDD-AFBAAF078991}"/>
               </a:ext>
             </a:extLst>
           </p:cNvPr>
@@ -306,7 +306,7 @@
           <a:bodyPr/>
           <a:lstStyle/>
           <a:p>
-            <a:fld id="{D94A8848-6086-4338-A048-A99EFE48AAD3}" type="slidenum">
+            <a:fld id="{BB68E5CE-44A1-4A8F-B04F-0B6DAD476FB7}" type="slidenum">
               <a:rPr lang="zh-CN" altLang="en-US" smtClean="0"/>
               <a:t>‹#›</a:t>
             </a:fld>
@@ -317,7 +317,7 @@
     </p:spTree>
     <p:extLst>
       <p:ext uri="{BB962C8B-B14F-4D97-AF65-F5344CB8AC3E}">
-        <p14:creationId xmlns:p14="http://schemas.microsoft.com/office/powerpoint/2010/main" val="1320341611"/>
+        <p14:creationId xmlns:p14="http://schemas.microsoft.com/office/powerpoint/2010/main" val="4283154012"/>
       </p:ext>
     </p:extLst>
   </p:cSld>
@@ -349,7 +349,7 @@
           <p:cNvPr id="2" name="标题 1">
             <a:extLst>
               <a:ext uri="{FF2B5EF4-FFF2-40B4-BE49-F238E27FC236}">
-                <a16:creationId xmlns:a16="http://schemas.microsoft.com/office/drawing/2014/main" id="{E8E50CF7-018A-5C96-127F-40CA67D30917}"/>
+                <a16:creationId xmlns:a16="http://schemas.microsoft.com/office/drawing/2014/main" id="{019B92D4-F93D-BD7E-C8AB-E3C8FDFB2CD4}"/>
               </a:ext>
             </a:extLst>
           </p:cNvPr>
@@ -377,7 +377,7 @@
           <p:cNvPr id="3" name="竖排文字占位符 2">
             <a:extLst>
               <a:ext uri="{FF2B5EF4-FFF2-40B4-BE49-F238E27FC236}">
-                <a16:creationId xmlns:a16="http://schemas.microsoft.com/office/drawing/2014/main" id="{62335905-FA98-3FA0-97AE-8E8C2B04E125}"/>
+                <a16:creationId xmlns:a16="http://schemas.microsoft.com/office/drawing/2014/main" id="{E94DC745-5AAC-01F2-B1E3-6A8F65B48755}"/>
               </a:ext>
             </a:extLst>
           </p:cNvPr>
@@ -434,7 +434,7 @@
           <p:cNvPr id="4" name="日期占位符 3">
             <a:extLst>
               <a:ext uri="{FF2B5EF4-FFF2-40B4-BE49-F238E27FC236}">
-                <a16:creationId xmlns:a16="http://schemas.microsoft.com/office/drawing/2014/main" id="{5A7D8440-2C50-5572-E3DE-8A491EA84664}"/>
+                <a16:creationId xmlns:a16="http://schemas.microsoft.com/office/drawing/2014/main" id="{A30E091F-B5B7-B8C4-96CA-34949C1D1988}"/>
               </a:ext>
             </a:extLst>
           </p:cNvPr>
@@ -450,7 +450,7 @@
           <a:bodyPr/>
           <a:lstStyle/>
           <a:p>
-            <a:fld id="{BE750D46-49B0-41B1-B09B-2F74BE509FB5}" type="datetimeFigureOut">
+            <a:fld id="{B7D6264F-0FE8-40AB-8D76-76976CEDDABD}" type="datetimeFigureOut">
               <a:rPr lang="zh-CN" altLang="en-US" smtClean="0"/>
               <a:t>2024/3/10</a:t>
             </a:fld>
@@ -463,7 +463,7 @@
           <p:cNvPr id="5" name="页脚占位符 4">
             <a:extLst>
               <a:ext uri="{FF2B5EF4-FFF2-40B4-BE49-F238E27FC236}">
-                <a16:creationId xmlns:a16="http://schemas.microsoft.com/office/drawing/2014/main" id="{2C58CA07-8783-BD02-A31A-1957095175BD}"/>
+                <a16:creationId xmlns:a16="http://schemas.microsoft.com/office/drawing/2014/main" id="{A27ADE5D-6E64-BF12-5094-8CC6E4865800}"/>
               </a:ext>
             </a:extLst>
           </p:cNvPr>
@@ -488,7 +488,7 @@
           <p:cNvPr id="6" name="灯片编号占位符 5">
             <a:extLst>
               <a:ext uri="{FF2B5EF4-FFF2-40B4-BE49-F238E27FC236}">
-                <a16:creationId xmlns:a16="http://schemas.microsoft.com/office/drawing/2014/main" id="{2F084A77-1A8B-7E06-6A3A-9D3924A95B3F}"/>
+                <a16:creationId xmlns:a16="http://schemas.microsoft.com/office/drawing/2014/main" id="{56068C36-7BE9-74CE-6F88-492E5B36EFF6}"/>
               </a:ext>
             </a:extLst>
           </p:cNvPr>
@@ -504,7 +504,7 @@
           <a:bodyPr/>
           <a:lstStyle/>
           <a:p>
-            <a:fld id="{D94A8848-6086-4338-A048-A99EFE48AAD3}" type="slidenum">
+            <a:fld id="{BB68E5CE-44A1-4A8F-B04F-0B6DAD476FB7}" type="slidenum">
               <a:rPr lang="zh-CN" altLang="en-US" smtClean="0"/>
               <a:t>‹#›</a:t>
             </a:fld>
@@ -515,7 +515,7 @@
     </p:spTree>
     <p:extLst>
       <p:ext uri="{BB962C8B-B14F-4D97-AF65-F5344CB8AC3E}">
-        <p14:creationId xmlns:p14="http://schemas.microsoft.com/office/powerpoint/2010/main" val="2422603907"/>
+        <p14:creationId xmlns:p14="http://schemas.microsoft.com/office/powerpoint/2010/main" val="3913403733"/>
       </p:ext>
     </p:extLst>
   </p:cSld>
@@ -547,7 +547,7 @@
           <p:cNvPr id="2" name="竖排标题 1">
             <a:extLst>
               <a:ext uri="{FF2B5EF4-FFF2-40B4-BE49-F238E27FC236}">
-                <a16:creationId xmlns:a16="http://schemas.microsoft.com/office/drawing/2014/main" id="{15509384-6F85-F579-A2AA-0E177DC89B3C}"/>
+                <a16:creationId xmlns:a16="http://schemas.microsoft.com/office/drawing/2014/main" id="{B82DCACB-DE38-63F9-0FE6-87D4E3AD1604}"/>
               </a:ext>
             </a:extLst>
           </p:cNvPr>
@@ -580,7 +580,7 @@
           <p:cNvPr id="3" name="竖排文字占位符 2">
             <a:extLst>
               <a:ext uri="{FF2B5EF4-FFF2-40B4-BE49-F238E27FC236}">
-                <a16:creationId xmlns:a16="http://schemas.microsoft.com/office/drawing/2014/main" id="{58A7246D-AAEF-147C-D74C-A57163F05484}"/>
+                <a16:creationId xmlns:a16="http://schemas.microsoft.com/office/drawing/2014/main" id="{2BB1BC10-0D80-C217-565A-C3C255F52C0F}"/>
               </a:ext>
             </a:extLst>
           </p:cNvPr>
@@ -642,7 +642,7 @@
           <p:cNvPr id="4" name="日期占位符 3">
             <a:extLst>
               <a:ext uri="{FF2B5EF4-FFF2-40B4-BE49-F238E27FC236}">
-                <a16:creationId xmlns:a16="http://schemas.microsoft.com/office/drawing/2014/main" id="{47857FEE-B019-EA48-112D-B1EFB41F51F9}"/>
+                <a16:creationId xmlns:a16="http://schemas.microsoft.com/office/drawing/2014/main" id="{EAA2AB95-B64D-4E16-CCAF-47BF00F5E6CE}"/>
               </a:ext>
             </a:extLst>
           </p:cNvPr>
@@ -658,7 +658,7 @@
           <a:bodyPr/>
           <a:lstStyle/>
           <a:p>
-            <a:fld id="{BE750D46-49B0-41B1-B09B-2F74BE509FB5}" type="datetimeFigureOut">
+            <a:fld id="{B7D6264F-0FE8-40AB-8D76-76976CEDDABD}" type="datetimeFigureOut">
               <a:rPr lang="zh-CN" altLang="en-US" smtClean="0"/>
               <a:t>2024/3/10</a:t>
             </a:fld>
@@ -671,7 +671,7 @@
           <p:cNvPr id="5" name="页脚占位符 4">
             <a:extLst>
               <a:ext uri="{FF2B5EF4-FFF2-40B4-BE49-F238E27FC236}">
-                <a16:creationId xmlns:a16="http://schemas.microsoft.com/office/drawing/2014/main" id="{26920FF2-38B0-8615-6FE2-D2D774B5BA28}"/>
+                <a16:creationId xmlns:a16="http://schemas.microsoft.com/office/drawing/2014/main" id="{B2F7F960-3922-1EAB-B242-BC71EC3E8504}"/>
               </a:ext>
             </a:extLst>
           </p:cNvPr>
@@ -696,7 +696,7 @@
           <p:cNvPr id="6" name="灯片编号占位符 5">
             <a:extLst>
               <a:ext uri="{FF2B5EF4-FFF2-40B4-BE49-F238E27FC236}">
-                <a16:creationId xmlns:a16="http://schemas.microsoft.com/office/drawing/2014/main" id="{47BC6686-AA6A-9D1B-9DC4-1141DFDB7320}"/>
+                <a16:creationId xmlns:a16="http://schemas.microsoft.com/office/drawing/2014/main" id="{02B92A37-572C-6A1D-1351-C44CF16BD51F}"/>
               </a:ext>
             </a:extLst>
           </p:cNvPr>
@@ -712,7 +712,7 @@
           <a:bodyPr/>
           <a:lstStyle/>
           <a:p>
-            <a:fld id="{D94A8848-6086-4338-A048-A99EFE48AAD3}" type="slidenum">
+            <a:fld id="{BB68E5CE-44A1-4A8F-B04F-0B6DAD476FB7}" type="slidenum">
               <a:rPr lang="zh-CN" altLang="en-US" smtClean="0"/>
               <a:t>‹#›</a:t>
             </a:fld>
@@ -723,7 +723,7 @@
     </p:spTree>
     <p:extLst>
       <p:ext uri="{BB962C8B-B14F-4D97-AF65-F5344CB8AC3E}">
-        <p14:creationId xmlns:p14="http://schemas.microsoft.com/office/powerpoint/2010/main" val="3151344267"/>
+        <p14:creationId xmlns:p14="http://schemas.microsoft.com/office/powerpoint/2010/main" val="2781682070"/>
       </p:ext>
     </p:extLst>
   </p:cSld>
@@ -755,7 +755,7 @@
           <p:cNvPr id="2" name="标题 1">
             <a:extLst>
               <a:ext uri="{FF2B5EF4-FFF2-40B4-BE49-F238E27FC236}">
-                <a16:creationId xmlns:a16="http://schemas.microsoft.com/office/drawing/2014/main" id="{25A27E73-5468-EDCF-FA3F-CAC0CBA435CE}"/>
+                <a16:creationId xmlns:a16="http://schemas.microsoft.com/office/drawing/2014/main" id="{14C8B7F1-89AB-0592-64A4-9D1C47CF2371}"/>
               </a:ext>
             </a:extLst>
           </p:cNvPr>
@@ -783,7 +783,7 @@
           <p:cNvPr id="3" name="内容占位符 2">
             <a:extLst>
               <a:ext uri="{FF2B5EF4-FFF2-40B4-BE49-F238E27FC236}">
-                <a16:creationId xmlns:a16="http://schemas.microsoft.com/office/drawing/2014/main" id="{8A2C7C18-8E84-3106-4120-F5C4CDAEDE8E}"/>
+                <a16:creationId xmlns:a16="http://schemas.microsoft.com/office/drawing/2014/main" id="{80AB7092-D12F-56FA-14FF-FC4400583EAB}"/>
               </a:ext>
             </a:extLst>
           </p:cNvPr>
@@ -840,7 +840,7 @@
           <p:cNvPr id="4" name="日期占位符 3">
             <a:extLst>
               <a:ext uri="{FF2B5EF4-FFF2-40B4-BE49-F238E27FC236}">
-                <a16:creationId xmlns:a16="http://schemas.microsoft.com/office/drawing/2014/main" id="{D4A6E52E-3779-F3EB-90B4-B25C9901F723}"/>
+                <a16:creationId xmlns:a16="http://schemas.microsoft.com/office/drawing/2014/main" id="{004055C1-2682-9BFC-F914-40C94DB69F5D}"/>
               </a:ext>
             </a:extLst>
           </p:cNvPr>
@@ -856,7 +856,7 @@
           <a:bodyPr/>
           <a:lstStyle/>
           <a:p>
-            <a:fld id="{BE750D46-49B0-41B1-B09B-2F74BE509FB5}" type="datetimeFigureOut">
+            <a:fld id="{B7D6264F-0FE8-40AB-8D76-76976CEDDABD}" type="datetimeFigureOut">
               <a:rPr lang="zh-CN" altLang="en-US" smtClean="0"/>
               <a:t>2024/3/10</a:t>
             </a:fld>
@@ -869,7 +869,7 @@
           <p:cNvPr id="5" name="页脚占位符 4">
             <a:extLst>
               <a:ext uri="{FF2B5EF4-FFF2-40B4-BE49-F238E27FC236}">
-                <a16:creationId xmlns:a16="http://schemas.microsoft.com/office/drawing/2014/main" id="{17D78A1A-E76E-526C-FC80-E224F6719CB0}"/>
+                <a16:creationId xmlns:a16="http://schemas.microsoft.com/office/drawing/2014/main" id="{E14AD682-BC3F-EB68-AF02-EBCEE76BD845}"/>
               </a:ext>
             </a:extLst>
           </p:cNvPr>
@@ -894,7 +894,7 @@
           <p:cNvPr id="6" name="灯片编号占位符 5">
             <a:extLst>
               <a:ext uri="{FF2B5EF4-FFF2-40B4-BE49-F238E27FC236}">
-                <a16:creationId xmlns:a16="http://schemas.microsoft.com/office/drawing/2014/main" id="{8A03497B-D463-4A66-975B-062DEA1B9537}"/>
+                <a16:creationId xmlns:a16="http://schemas.microsoft.com/office/drawing/2014/main" id="{5D527BAF-ED36-FC7F-E1BA-3F2C2F4C312D}"/>
               </a:ext>
             </a:extLst>
           </p:cNvPr>
@@ -910,7 +910,7 @@
           <a:bodyPr/>
           <a:lstStyle/>
           <a:p>
-            <a:fld id="{D94A8848-6086-4338-A048-A99EFE48AAD3}" type="slidenum">
+            <a:fld id="{BB68E5CE-44A1-4A8F-B04F-0B6DAD476FB7}" type="slidenum">
               <a:rPr lang="zh-CN" altLang="en-US" smtClean="0"/>
               <a:t>‹#›</a:t>
             </a:fld>
@@ -921,7 +921,7 @@
     </p:spTree>
     <p:extLst>
       <p:ext uri="{BB962C8B-B14F-4D97-AF65-F5344CB8AC3E}">
-        <p14:creationId xmlns:p14="http://schemas.microsoft.com/office/powerpoint/2010/main" val="3286201733"/>
+        <p14:creationId xmlns:p14="http://schemas.microsoft.com/office/powerpoint/2010/main" val="1915842343"/>
       </p:ext>
     </p:extLst>
   </p:cSld>
@@ -953,7 +953,7 @@
           <p:cNvPr id="2" name="标题 1">
             <a:extLst>
               <a:ext uri="{FF2B5EF4-FFF2-40B4-BE49-F238E27FC236}">
-                <a16:creationId xmlns:a16="http://schemas.microsoft.com/office/drawing/2014/main" id="{A8E799AD-4CEA-D635-AF26-A3824DC0C4A6}"/>
+                <a16:creationId xmlns:a16="http://schemas.microsoft.com/office/drawing/2014/main" id="{CEF04FE0-8663-AD59-4AE0-79BF7A8543DF}"/>
               </a:ext>
             </a:extLst>
           </p:cNvPr>
@@ -990,7 +990,7 @@
           <p:cNvPr id="3" name="文本占位符 2">
             <a:extLst>
               <a:ext uri="{FF2B5EF4-FFF2-40B4-BE49-F238E27FC236}">
-                <a16:creationId xmlns:a16="http://schemas.microsoft.com/office/drawing/2014/main" id="{7BCFA14C-55F4-F5A3-D832-D033D48C7240}"/>
+                <a16:creationId xmlns:a16="http://schemas.microsoft.com/office/drawing/2014/main" id="{667BD75B-6B90-E21A-4FB3-C2693D16B792}"/>
               </a:ext>
             </a:extLst>
           </p:cNvPr>
@@ -1115,7 +1115,7 @@
           <p:cNvPr id="4" name="日期占位符 3">
             <a:extLst>
               <a:ext uri="{FF2B5EF4-FFF2-40B4-BE49-F238E27FC236}">
-                <a16:creationId xmlns:a16="http://schemas.microsoft.com/office/drawing/2014/main" id="{657BA313-A52C-2CCB-94E4-8517B03D8A5B}"/>
+                <a16:creationId xmlns:a16="http://schemas.microsoft.com/office/drawing/2014/main" id="{62D1C85B-5C42-C5B7-01D4-B4E6A50FD926}"/>
               </a:ext>
             </a:extLst>
           </p:cNvPr>
@@ -1131,7 +1131,7 @@
           <a:bodyPr/>
           <a:lstStyle/>
           <a:p>
-            <a:fld id="{BE750D46-49B0-41B1-B09B-2F74BE509FB5}" type="datetimeFigureOut">
+            <a:fld id="{B7D6264F-0FE8-40AB-8D76-76976CEDDABD}" type="datetimeFigureOut">
               <a:rPr lang="zh-CN" altLang="en-US" smtClean="0"/>
               <a:t>2024/3/10</a:t>
             </a:fld>
@@ -1144,7 +1144,7 @@
           <p:cNvPr id="5" name="页脚占位符 4">
             <a:extLst>
               <a:ext uri="{FF2B5EF4-FFF2-40B4-BE49-F238E27FC236}">
-                <a16:creationId xmlns:a16="http://schemas.microsoft.com/office/drawing/2014/main" id="{199634B1-257C-E5D5-1F21-720656656E60}"/>
+                <a16:creationId xmlns:a16="http://schemas.microsoft.com/office/drawing/2014/main" id="{0E11A9C2-50FB-8CDC-C9A2-83579A0F11F0}"/>
               </a:ext>
             </a:extLst>
           </p:cNvPr>
@@ -1169,7 +1169,7 @@
           <p:cNvPr id="6" name="灯片编号占位符 5">
             <a:extLst>
               <a:ext uri="{FF2B5EF4-FFF2-40B4-BE49-F238E27FC236}">
-                <a16:creationId xmlns:a16="http://schemas.microsoft.com/office/drawing/2014/main" id="{97CF7F2B-9746-0CC9-1DA7-BE4E5BE13655}"/>
+                <a16:creationId xmlns:a16="http://schemas.microsoft.com/office/drawing/2014/main" id="{FA415204-B236-EAAC-83ED-6FA3A80F0545}"/>
               </a:ext>
             </a:extLst>
           </p:cNvPr>
@@ -1185,7 +1185,7 @@
           <a:bodyPr/>
           <a:lstStyle/>
           <a:p>
-            <a:fld id="{D94A8848-6086-4338-A048-A99EFE48AAD3}" type="slidenum">
+            <a:fld id="{BB68E5CE-44A1-4A8F-B04F-0B6DAD476FB7}" type="slidenum">
               <a:rPr lang="zh-CN" altLang="en-US" smtClean="0"/>
               <a:t>‹#›</a:t>
             </a:fld>
@@ -1196,7 +1196,7 @@
     </p:spTree>
     <p:extLst>
       <p:ext uri="{BB962C8B-B14F-4D97-AF65-F5344CB8AC3E}">
-        <p14:creationId xmlns:p14="http://schemas.microsoft.com/office/powerpoint/2010/main" val="3769670230"/>
+        <p14:creationId xmlns:p14="http://schemas.microsoft.com/office/powerpoint/2010/main" val="3514221093"/>
       </p:ext>
     </p:extLst>
   </p:cSld>
@@ -1228,7 +1228,7 @@
           <p:cNvPr id="2" name="标题 1">
             <a:extLst>
               <a:ext uri="{FF2B5EF4-FFF2-40B4-BE49-F238E27FC236}">
-                <a16:creationId xmlns:a16="http://schemas.microsoft.com/office/drawing/2014/main" id="{0D0C3CFF-F64D-2C9B-7BA8-55CFC75C764B}"/>
+                <a16:creationId xmlns:a16="http://schemas.microsoft.com/office/drawing/2014/main" id="{EDE7137D-34BB-022D-1632-5BE8393231C0}"/>
               </a:ext>
             </a:extLst>
           </p:cNvPr>
@@ -1256,7 +1256,7 @@
           <p:cNvPr id="3" name="内容占位符 2">
             <a:extLst>
               <a:ext uri="{FF2B5EF4-FFF2-40B4-BE49-F238E27FC236}">
-                <a16:creationId xmlns:a16="http://schemas.microsoft.com/office/drawing/2014/main" id="{1412DBF8-2344-252B-8DAB-C7FA0EE55AC9}"/>
+                <a16:creationId xmlns:a16="http://schemas.microsoft.com/office/drawing/2014/main" id="{EE43A17A-D0ED-EBA2-393B-3FBFA2963003}"/>
               </a:ext>
             </a:extLst>
           </p:cNvPr>
@@ -1318,7 +1318,7 @@
           <p:cNvPr id="4" name="内容占位符 3">
             <a:extLst>
               <a:ext uri="{FF2B5EF4-FFF2-40B4-BE49-F238E27FC236}">
-                <a16:creationId xmlns:a16="http://schemas.microsoft.com/office/drawing/2014/main" id="{A1198F69-9B48-C905-26E0-94C4A7957C94}"/>
+                <a16:creationId xmlns:a16="http://schemas.microsoft.com/office/drawing/2014/main" id="{9AC70937-4F70-A82A-548D-63BFFDBBDA63}"/>
               </a:ext>
             </a:extLst>
           </p:cNvPr>
@@ -1380,7 +1380,7 @@
           <p:cNvPr id="5" name="日期占位符 4">
             <a:extLst>
               <a:ext uri="{FF2B5EF4-FFF2-40B4-BE49-F238E27FC236}">
-                <a16:creationId xmlns:a16="http://schemas.microsoft.com/office/drawing/2014/main" id="{B7F5D56C-468F-FC06-94FA-D04656599476}"/>
+                <a16:creationId xmlns:a16="http://schemas.microsoft.com/office/drawing/2014/main" id="{751C1818-0B87-8BA5-F11C-2B88835B7F53}"/>
               </a:ext>
             </a:extLst>
           </p:cNvPr>
@@ -1396,7 +1396,7 @@
           <a:bodyPr/>
           <a:lstStyle/>
           <a:p>
-            <a:fld id="{BE750D46-49B0-41B1-B09B-2F74BE509FB5}" type="datetimeFigureOut">
+            <a:fld id="{B7D6264F-0FE8-40AB-8D76-76976CEDDABD}" type="datetimeFigureOut">
               <a:rPr lang="zh-CN" altLang="en-US" smtClean="0"/>
               <a:t>2024/3/10</a:t>
             </a:fld>
@@ -1409,7 +1409,7 @@
           <p:cNvPr id="6" name="页脚占位符 5">
             <a:extLst>
               <a:ext uri="{FF2B5EF4-FFF2-40B4-BE49-F238E27FC236}">
-                <a16:creationId xmlns:a16="http://schemas.microsoft.com/office/drawing/2014/main" id="{A924BC4A-5247-69F6-B172-28CCB2A64C30}"/>
+                <a16:creationId xmlns:a16="http://schemas.microsoft.com/office/drawing/2014/main" id="{1D15B254-C58E-0824-BD98-68D8BB918107}"/>
               </a:ext>
             </a:extLst>
           </p:cNvPr>
@@ -1434,7 +1434,7 @@
           <p:cNvPr id="7" name="灯片编号占位符 6">
             <a:extLst>
               <a:ext uri="{FF2B5EF4-FFF2-40B4-BE49-F238E27FC236}">
-                <a16:creationId xmlns:a16="http://schemas.microsoft.com/office/drawing/2014/main" id="{66F15E3B-38B1-376B-5970-579D776F9562}"/>
+                <a16:creationId xmlns:a16="http://schemas.microsoft.com/office/drawing/2014/main" id="{4AB34527-423C-8668-296C-84250335B61E}"/>
               </a:ext>
             </a:extLst>
           </p:cNvPr>
@@ -1450,7 +1450,7 @@
           <a:bodyPr/>
           <a:lstStyle/>
           <a:p>
-            <a:fld id="{D94A8848-6086-4338-A048-A99EFE48AAD3}" type="slidenum">
+            <a:fld id="{BB68E5CE-44A1-4A8F-B04F-0B6DAD476FB7}" type="slidenum">
               <a:rPr lang="zh-CN" altLang="en-US" smtClean="0"/>
               <a:t>‹#›</a:t>
             </a:fld>
@@ -1461,7 +1461,7 @@
     </p:spTree>
     <p:extLst>
       <p:ext uri="{BB962C8B-B14F-4D97-AF65-F5344CB8AC3E}">
-        <p14:creationId xmlns:p14="http://schemas.microsoft.com/office/powerpoint/2010/main" val="2940637602"/>
+        <p14:creationId xmlns:p14="http://schemas.microsoft.com/office/powerpoint/2010/main" val="2251315957"/>
       </p:ext>
     </p:extLst>
   </p:cSld>
@@ -1493,7 +1493,7 @@
           <p:cNvPr id="2" name="标题 1">
             <a:extLst>
               <a:ext uri="{FF2B5EF4-FFF2-40B4-BE49-F238E27FC236}">
-                <a16:creationId xmlns:a16="http://schemas.microsoft.com/office/drawing/2014/main" id="{F8B86B8D-2A20-9772-386C-EBC573062EE5}"/>
+                <a16:creationId xmlns:a16="http://schemas.microsoft.com/office/drawing/2014/main" id="{E79E94E3-78D8-5A43-A228-20F14CA9A179}"/>
               </a:ext>
             </a:extLst>
           </p:cNvPr>
@@ -1526,7 +1526,7 @@
           <p:cNvPr id="3" name="文本占位符 2">
             <a:extLst>
               <a:ext uri="{FF2B5EF4-FFF2-40B4-BE49-F238E27FC236}">
-                <a16:creationId xmlns:a16="http://schemas.microsoft.com/office/drawing/2014/main" id="{391125B6-D42A-5901-4DBD-5E93A7B01FCA}"/>
+                <a16:creationId xmlns:a16="http://schemas.microsoft.com/office/drawing/2014/main" id="{73393F9A-6776-193D-F282-921A2A1A5B5D}"/>
               </a:ext>
             </a:extLst>
           </p:cNvPr>
@@ -1597,7 +1597,7 @@
           <p:cNvPr id="4" name="内容占位符 3">
             <a:extLst>
               <a:ext uri="{FF2B5EF4-FFF2-40B4-BE49-F238E27FC236}">
-                <a16:creationId xmlns:a16="http://schemas.microsoft.com/office/drawing/2014/main" id="{9A61931D-DFB5-C0F8-AE69-ECCC90D00DCB}"/>
+                <a16:creationId xmlns:a16="http://schemas.microsoft.com/office/drawing/2014/main" id="{F7F16ED1-5EE0-C2E5-976A-885DEFAE2BC4}"/>
               </a:ext>
             </a:extLst>
           </p:cNvPr>
@@ -1659,7 +1659,7 @@
           <p:cNvPr id="5" name="文本占位符 4">
             <a:extLst>
               <a:ext uri="{FF2B5EF4-FFF2-40B4-BE49-F238E27FC236}">
-                <a16:creationId xmlns:a16="http://schemas.microsoft.com/office/drawing/2014/main" id="{1D20A7E6-EFD0-8B0F-2DBC-4EAF5743E2FC}"/>
+                <a16:creationId xmlns:a16="http://schemas.microsoft.com/office/drawing/2014/main" id="{8F49C800-F296-1EEB-EC83-7A0A4C6B0700}"/>
               </a:ext>
             </a:extLst>
           </p:cNvPr>
@@ -1730,7 +1730,7 @@
           <p:cNvPr id="6" name="内容占位符 5">
             <a:extLst>
               <a:ext uri="{FF2B5EF4-FFF2-40B4-BE49-F238E27FC236}">
-                <a16:creationId xmlns:a16="http://schemas.microsoft.com/office/drawing/2014/main" id="{90C8F5F5-92DE-A782-CD60-F34EBC1B8119}"/>
+                <a16:creationId xmlns:a16="http://schemas.microsoft.com/office/drawing/2014/main" id="{420CD15E-55DE-1303-3301-EFE13E148842}"/>
               </a:ext>
             </a:extLst>
           </p:cNvPr>
@@ -1792,7 +1792,7 @@
           <p:cNvPr id="7" name="日期占位符 6">
             <a:extLst>
               <a:ext uri="{FF2B5EF4-FFF2-40B4-BE49-F238E27FC236}">
-                <a16:creationId xmlns:a16="http://schemas.microsoft.com/office/drawing/2014/main" id="{978CC566-1F44-3F31-10A8-4179DFFC6847}"/>
+                <a16:creationId xmlns:a16="http://schemas.microsoft.com/office/drawing/2014/main" id="{D81A7C27-3AB4-DE44-7899-06AA77136083}"/>
               </a:ext>
             </a:extLst>
           </p:cNvPr>
@@ -1808,7 +1808,7 @@
           <a:bodyPr/>
           <a:lstStyle/>
           <a:p>
-            <a:fld id="{BE750D46-49B0-41B1-B09B-2F74BE509FB5}" type="datetimeFigureOut">
+            <a:fld id="{B7D6264F-0FE8-40AB-8D76-76976CEDDABD}" type="datetimeFigureOut">
               <a:rPr lang="zh-CN" altLang="en-US" smtClean="0"/>
               <a:t>2024/3/10</a:t>
             </a:fld>
@@ -1821,7 +1821,7 @@
           <p:cNvPr id="8" name="页脚占位符 7">
             <a:extLst>
               <a:ext uri="{FF2B5EF4-FFF2-40B4-BE49-F238E27FC236}">
-                <a16:creationId xmlns:a16="http://schemas.microsoft.com/office/drawing/2014/main" id="{FA94B6F1-A7B3-B588-C7AC-D8BC62A7F854}"/>
+                <a16:creationId xmlns:a16="http://schemas.microsoft.com/office/drawing/2014/main" id="{4362F43F-7077-5779-75D9-333913339D6C}"/>
               </a:ext>
             </a:extLst>
           </p:cNvPr>
@@ -1846,7 +1846,7 @@
           <p:cNvPr id="9" name="灯片编号占位符 8">
             <a:extLst>
               <a:ext uri="{FF2B5EF4-FFF2-40B4-BE49-F238E27FC236}">
-                <a16:creationId xmlns:a16="http://schemas.microsoft.com/office/drawing/2014/main" id="{CD317825-E3DD-4D63-5C21-993E49CE76D8}"/>
+                <a16:creationId xmlns:a16="http://schemas.microsoft.com/office/drawing/2014/main" id="{A260BA23-9AB1-376D-E890-FE152DBB389F}"/>
               </a:ext>
             </a:extLst>
           </p:cNvPr>
@@ -1862,7 +1862,7 @@
           <a:bodyPr/>
           <a:lstStyle/>
           <a:p>
-            <a:fld id="{D94A8848-6086-4338-A048-A99EFE48AAD3}" type="slidenum">
+            <a:fld id="{BB68E5CE-44A1-4A8F-B04F-0B6DAD476FB7}" type="slidenum">
               <a:rPr lang="zh-CN" altLang="en-US" smtClean="0"/>
               <a:t>‹#›</a:t>
             </a:fld>
@@ -1873,7 +1873,7 @@
     </p:spTree>
     <p:extLst>
       <p:ext uri="{BB962C8B-B14F-4D97-AF65-F5344CB8AC3E}">
-        <p14:creationId xmlns:p14="http://schemas.microsoft.com/office/powerpoint/2010/main" val="914561815"/>
+        <p14:creationId xmlns:p14="http://schemas.microsoft.com/office/powerpoint/2010/main" val="2689169322"/>
       </p:ext>
     </p:extLst>
   </p:cSld>
@@ -1905,7 +1905,7 @@
           <p:cNvPr id="2" name="标题 1">
             <a:extLst>
               <a:ext uri="{FF2B5EF4-FFF2-40B4-BE49-F238E27FC236}">
-                <a16:creationId xmlns:a16="http://schemas.microsoft.com/office/drawing/2014/main" id="{A1BA33C2-7899-8DCD-921C-A3D931E2F3A8}"/>
+                <a16:creationId xmlns:a16="http://schemas.microsoft.com/office/drawing/2014/main" id="{DE51C6B0-CD66-CEBD-C98E-66E291DFD52D}"/>
               </a:ext>
             </a:extLst>
           </p:cNvPr>
@@ -1933,7 +1933,7 @@
           <p:cNvPr id="3" name="日期占位符 2">
             <a:extLst>
               <a:ext uri="{FF2B5EF4-FFF2-40B4-BE49-F238E27FC236}">
-                <a16:creationId xmlns:a16="http://schemas.microsoft.com/office/drawing/2014/main" id="{49B607A1-3192-573B-23E4-11DE05BCB3B0}"/>
+                <a16:creationId xmlns:a16="http://schemas.microsoft.com/office/drawing/2014/main" id="{51A82655-283E-F3BF-4EF5-F1DC0C7B96A3}"/>
               </a:ext>
             </a:extLst>
           </p:cNvPr>
@@ -1949,7 +1949,7 @@
           <a:bodyPr/>
           <a:lstStyle/>
           <a:p>
-            <a:fld id="{BE750D46-49B0-41B1-B09B-2F74BE509FB5}" type="datetimeFigureOut">
+            <a:fld id="{B7D6264F-0FE8-40AB-8D76-76976CEDDABD}" type="datetimeFigureOut">
               <a:rPr lang="zh-CN" altLang="en-US" smtClean="0"/>
               <a:t>2024/3/10</a:t>
             </a:fld>
@@ -1962,7 +1962,7 @@
           <p:cNvPr id="4" name="页脚占位符 3">
             <a:extLst>
               <a:ext uri="{FF2B5EF4-FFF2-40B4-BE49-F238E27FC236}">
-                <a16:creationId xmlns:a16="http://schemas.microsoft.com/office/drawing/2014/main" id="{10AF00E5-823D-BB0B-0037-F94629272F78}"/>
+                <a16:creationId xmlns:a16="http://schemas.microsoft.com/office/drawing/2014/main" id="{4DC177DF-273B-492D-F8DA-16E6E1735617}"/>
               </a:ext>
             </a:extLst>
           </p:cNvPr>
@@ -1987,7 +1987,7 @@
           <p:cNvPr id="5" name="灯片编号占位符 4">
             <a:extLst>
               <a:ext uri="{FF2B5EF4-FFF2-40B4-BE49-F238E27FC236}">
-                <a16:creationId xmlns:a16="http://schemas.microsoft.com/office/drawing/2014/main" id="{D7F1B3DC-9ABA-D231-8B71-DB2B7CB66F42}"/>
+                <a16:creationId xmlns:a16="http://schemas.microsoft.com/office/drawing/2014/main" id="{1E9EF61D-5CAA-E27A-423E-C33438CBAAAB}"/>
               </a:ext>
             </a:extLst>
           </p:cNvPr>
@@ -2003,7 +2003,7 @@
           <a:bodyPr/>
           <a:lstStyle/>
           <a:p>
-            <a:fld id="{D94A8848-6086-4338-A048-A99EFE48AAD3}" type="slidenum">
+            <a:fld id="{BB68E5CE-44A1-4A8F-B04F-0B6DAD476FB7}" type="slidenum">
               <a:rPr lang="zh-CN" altLang="en-US" smtClean="0"/>
               <a:t>‹#›</a:t>
             </a:fld>
@@ -2014,7 +2014,7 @@
     </p:spTree>
     <p:extLst>
       <p:ext uri="{BB962C8B-B14F-4D97-AF65-F5344CB8AC3E}">
-        <p14:creationId xmlns:p14="http://schemas.microsoft.com/office/powerpoint/2010/main" val="9237519"/>
+        <p14:creationId xmlns:p14="http://schemas.microsoft.com/office/powerpoint/2010/main" val="3710110536"/>
       </p:ext>
     </p:extLst>
   </p:cSld>
@@ -2046,7 +2046,7 @@
           <p:cNvPr id="2" name="日期占位符 1">
             <a:extLst>
               <a:ext uri="{FF2B5EF4-FFF2-40B4-BE49-F238E27FC236}">
-                <a16:creationId xmlns:a16="http://schemas.microsoft.com/office/drawing/2014/main" id="{17913BCA-5E7D-B552-EB37-AB028C924099}"/>
+                <a16:creationId xmlns:a16="http://schemas.microsoft.com/office/drawing/2014/main" id="{A81D95ED-340E-3724-EC11-11C3190CFACC}"/>
               </a:ext>
             </a:extLst>
           </p:cNvPr>
@@ -2062,7 +2062,7 @@
           <a:bodyPr/>
           <a:lstStyle/>
           <a:p>
-            <a:fld id="{BE750D46-49B0-41B1-B09B-2F74BE509FB5}" type="datetimeFigureOut">
+            <a:fld id="{B7D6264F-0FE8-40AB-8D76-76976CEDDABD}" type="datetimeFigureOut">
               <a:rPr lang="zh-CN" altLang="en-US" smtClean="0"/>
               <a:t>2024/3/10</a:t>
             </a:fld>
@@ -2075,7 +2075,7 @@
           <p:cNvPr id="3" name="页脚占位符 2">
             <a:extLst>
               <a:ext uri="{FF2B5EF4-FFF2-40B4-BE49-F238E27FC236}">
-                <a16:creationId xmlns:a16="http://schemas.microsoft.com/office/drawing/2014/main" id="{99CDD461-B033-1E8F-8A6B-D61EC25A404E}"/>
+                <a16:creationId xmlns:a16="http://schemas.microsoft.com/office/drawing/2014/main" id="{063B7C82-3513-BBF5-CE5F-BBB37F8D656E}"/>
               </a:ext>
             </a:extLst>
           </p:cNvPr>
@@ -2100,7 +2100,7 @@
           <p:cNvPr id="4" name="灯片编号占位符 3">
             <a:extLst>
               <a:ext uri="{FF2B5EF4-FFF2-40B4-BE49-F238E27FC236}">
-                <a16:creationId xmlns:a16="http://schemas.microsoft.com/office/drawing/2014/main" id="{47BA2B94-1A99-6275-BAF6-6118352E3550}"/>
+                <a16:creationId xmlns:a16="http://schemas.microsoft.com/office/drawing/2014/main" id="{E59A3A7C-3B85-8399-9E5E-075C69C5156B}"/>
               </a:ext>
             </a:extLst>
           </p:cNvPr>
@@ -2116,7 +2116,7 @@
           <a:bodyPr/>
           <a:lstStyle/>
           <a:p>
-            <a:fld id="{D94A8848-6086-4338-A048-A99EFE48AAD3}" type="slidenum">
+            <a:fld id="{BB68E5CE-44A1-4A8F-B04F-0B6DAD476FB7}" type="slidenum">
               <a:rPr lang="zh-CN" altLang="en-US" smtClean="0"/>
               <a:t>‹#›</a:t>
             </a:fld>
@@ -2127,7 +2127,7 @@
     </p:spTree>
     <p:extLst>
       <p:ext uri="{BB962C8B-B14F-4D97-AF65-F5344CB8AC3E}">
-        <p14:creationId xmlns:p14="http://schemas.microsoft.com/office/powerpoint/2010/main" val="1068707918"/>
+        <p14:creationId xmlns:p14="http://schemas.microsoft.com/office/powerpoint/2010/main" val="2403552297"/>
       </p:ext>
     </p:extLst>
   </p:cSld>
@@ -2159,7 +2159,7 @@
           <p:cNvPr id="2" name="标题 1">
             <a:extLst>
               <a:ext uri="{FF2B5EF4-FFF2-40B4-BE49-F238E27FC236}">
-                <a16:creationId xmlns:a16="http://schemas.microsoft.com/office/drawing/2014/main" id="{5E1798E1-DE92-9295-407A-684081C3C662}"/>
+                <a16:creationId xmlns:a16="http://schemas.microsoft.com/office/drawing/2014/main" id="{71D8E7A4-8D03-99C3-8786-1D9D42BC5F9A}"/>
               </a:ext>
             </a:extLst>
           </p:cNvPr>
@@ -2196,7 +2196,7 @@
           <p:cNvPr id="3" name="内容占位符 2">
             <a:extLst>
               <a:ext uri="{FF2B5EF4-FFF2-40B4-BE49-F238E27FC236}">
-                <a16:creationId xmlns:a16="http://schemas.microsoft.com/office/drawing/2014/main" id="{AD6F1BD0-D27E-A2D8-2979-9FC6C6A973FD}"/>
+                <a16:creationId xmlns:a16="http://schemas.microsoft.com/office/drawing/2014/main" id="{BEA3C669-3300-B5DB-0264-9DB78ED0E5F5}"/>
               </a:ext>
             </a:extLst>
           </p:cNvPr>
@@ -2286,7 +2286,7 @@
           <p:cNvPr id="4" name="文本占位符 3">
             <a:extLst>
               <a:ext uri="{FF2B5EF4-FFF2-40B4-BE49-F238E27FC236}">
-                <a16:creationId xmlns:a16="http://schemas.microsoft.com/office/drawing/2014/main" id="{B6E52002-1ABF-2999-F4E5-840430A65EAB}"/>
+                <a16:creationId xmlns:a16="http://schemas.microsoft.com/office/drawing/2014/main" id="{628BF392-C8CF-5A54-9093-D969AF0B0D7A}"/>
               </a:ext>
             </a:extLst>
           </p:cNvPr>
@@ -2357,7 +2357,7 @@
           <p:cNvPr id="5" name="日期占位符 4">
             <a:extLst>
               <a:ext uri="{FF2B5EF4-FFF2-40B4-BE49-F238E27FC236}">
-                <a16:creationId xmlns:a16="http://schemas.microsoft.com/office/drawing/2014/main" id="{0546DD9A-E75F-9095-D4E1-853A5B8E763C}"/>
+                <a16:creationId xmlns:a16="http://schemas.microsoft.com/office/drawing/2014/main" id="{F3AB3618-3585-14AD-1B24-98752008D4DE}"/>
               </a:ext>
             </a:extLst>
           </p:cNvPr>
@@ -2373,7 +2373,7 @@
           <a:bodyPr/>
           <a:lstStyle/>
           <a:p>
-            <a:fld id="{BE750D46-49B0-41B1-B09B-2F74BE509FB5}" type="datetimeFigureOut">
+            <a:fld id="{B7D6264F-0FE8-40AB-8D76-76976CEDDABD}" type="datetimeFigureOut">
               <a:rPr lang="zh-CN" altLang="en-US" smtClean="0"/>
               <a:t>2024/3/10</a:t>
             </a:fld>
@@ -2386,7 +2386,7 @@
           <p:cNvPr id="6" name="页脚占位符 5">
             <a:extLst>
               <a:ext uri="{FF2B5EF4-FFF2-40B4-BE49-F238E27FC236}">
-                <a16:creationId xmlns:a16="http://schemas.microsoft.com/office/drawing/2014/main" id="{C31B78EB-D437-3BF6-3C06-8733AFB1AD73}"/>
+                <a16:creationId xmlns:a16="http://schemas.microsoft.com/office/drawing/2014/main" id="{1F8F50D4-6BF1-5324-23BF-4A31967F64C3}"/>
               </a:ext>
             </a:extLst>
           </p:cNvPr>
@@ -2411,7 +2411,7 @@
           <p:cNvPr id="7" name="灯片编号占位符 6">
             <a:extLst>
               <a:ext uri="{FF2B5EF4-FFF2-40B4-BE49-F238E27FC236}">
-                <a16:creationId xmlns:a16="http://schemas.microsoft.com/office/drawing/2014/main" id="{023E2A2B-386C-881B-501F-9A88C5ED40E4}"/>
+                <a16:creationId xmlns:a16="http://schemas.microsoft.com/office/drawing/2014/main" id="{A9AEE5B0-7DD8-1FB4-5C48-A2607509E4F4}"/>
               </a:ext>
             </a:extLst>
           </p:cNvPr>
@@ -2427,7 +2427,7 @@
           <a:bodyPr/>
           <a:lstStyle/>
           <a:p>
-            <a:fld id="{D94A8848-6086-4338-A048-A99EFE48AAD3}" type="slidenum">
+            <a:fld id="{BB68E5CE-44A1-4A8F-B04F-0B6DAD476FB7}" type="slidenum">
               <a:rPr lang="zh-CN" altLang="en-US" smtClean="0"/>
               <a:t>‹#›</a:t>
             </a:fld>
@@ -2438,7 +2438,7 @@
     </p:spTree>
     <p:extLst>
       <p:ext uri="{BB962C8B-B14F-4D97-AF65-F5344CB8AC3E}">
-        <p14:creationId xmlns:p14="http://schemas.microsoft.com/office/powerpoint/2010/main" val="1443956780"/>
+        <p14:creationId xmlns:p14="http://schemas.microsoft.com/office/powerpoint/2010/main" val="3330620223"/>
       </p:ext>
     </p:extLst>
   </p:cSld>
@@ -2470,7 +2470,7 @@
           <p:cNvPr id="2" name="标题 1">
             <a:extLst>
               <a:ext uri="{FF2B5EF4-FFF2-40B4-BE49-F238E27FC236}">
-                <a16:creationId xmlns:a16="http://schemas.microsoft.com/office/drawing/2014/main" id="{AC8EB185-DA17-EF62-ABB9-5E5181F97088}"/>
+                <a16:creationId xmlns:a16="http://schemas.microsoft.com/office/drawing/2014/main" id="{F6845F10-B8AF-0FE2-A548-1F8D4218917B}"/>
               </a:ext>
             </a:extLst>
           </p:cNvPr>
@@ -2507,7 +2507,7 @@
           <p:cNvPr id="3" name="图片占位符 2">
             <a:extLst>
               <a:ext uri="{FF2B5EF4-FFF2-40B4-BE49-F238E27FC236}">
-                <a16:creationId xmlns:a16="http://schemas.microsoft.com/office/drawing/2014/main" id="{E188A912-B6E8-264D-C6A1-0F01CCE8C10F}"/>
+                <a16:creationId xmlns:a16="http://schemas.microsoft.com/office/drawing/2014/main" id="{1063D750-AC7F-48E1-9221-AE2EDDBD0CB7}"/>
               </a:ext>
             </a:extLst>
           </p:cNvPr>
@@ -2574,7 +2574,7 @@
           <p:cNvPr id="4" name="文本占位符 3">
             <a:extLst>
               <a:ext uri="{FF2B5EF4-FFF2-40B4-BE49-F238E27FC236}">
-                <a16:creationId xmlns:a16="http://schemas.microsoft.com/office/drawing/2014/main" id="{498F9302-EB46-D341-6188-9248ED26C3AC}"/>
+                <a16:creationId xmlns:a16="http://schemas.microsoft.com/office/drawing/2014/main" id="{5DB7BFB0-5883-212E-530D-AE4A44A0811B}"/>
               </a:ext>
             </a:extLst>
           </p:cNvPr>
@@ -2645,7 +2645,7 @@
           <p:cNvPr id="5" name="日期占位符 4">
             <a:extLst>
               <a:ext uri="{FF2B5EF4-FFF2-40B4-BE49-F238E27FC236}">
-                <a16:creationId xmlns:a16="http://schemas.microsoft.com/office/drawing/2014/main" id="{A2394DF4-35D6-CB67-1F2C-F6E61A6569F1}"/>
+                <a16:creationId xmlns:a16="http://schemas.microsoft.com/office/drawing/2014/main" id="{BCB4597F-843A-C0B4-EB3C-C3A6FADED622}"/>
               </a:ext>
             </a:extLst>
           </p:cNvPr>
@@ -2661,7 +2661,7 @@
           <a:bodyPr/>
           <a:lstStyle/>
           <a:p>
-            <a:fld id="{BE750D46-49B0-41B1-B09B-2F74BE509FB5}" type="datetimeFigureOut">
+            <a:fld id="{B7D6264F-0FE8-40AB-8D76-76976CEDDABD}" type="datetimeFigureOut">
               <a:rPr lang="zh-CN" altLang="en-US" smtClean="0"/>
               <a:t>2024/3/10</a:t>
             </a:fld>
@@ -2674,7 +2674,7 @@
           <p:cNvPr id="6" name="页脚占位符 5">
             <a:extLst>
               <a:ext uri="{FF2B5EF4-FFF2-40B4-BE49-F238E27FC236}">
-                <a16:creationId xmlns:a16="http://schemas.microsoft.com/office/drawing/2014/main" id="{97B37CD4-FF2E-8B84-F6BD-A1B12B6B689D}"/>
+                <a16:creationId xmlns:a16="http://schemas.microsoft.com/office/drawing/2014/main" id="{8ABEFD72-3CD8-AC23-C465-E9E0DF2A8A2A}"/>
               </a:ext>
             </a:extLst>
           </p:cNvPr>
@@ -2699,7 +2699,7 @@
           <p:cNvPr id="7" name="灯片编号占位符 6">
             <a:extLst>
               <a:ext uri="{FF2B5EF4-FFF2-40B4-BE49-F238E27FC236}">
-                <a16:creationId xmlns:a16="http://schemas.microsoft.com/office/drawing/2014/main" id="{F14724B3-1C3A-A71C-8602-C8EFD4C9701A}"/>
+                <a16:creationId xmlns:a16="http://schemas.microsoft.com/office/drawing/2014/main" id="{C9519795-3AE0-D82E-AA7E-407994C9E51A}"/>
               </a:ext>
             </a:extLst>
           </p:cNvPr>
@@ -2715,7 +2715,7 @@
           <a:bodyPr/>
           <a:lstStyle/>
           <a:p>
-            <a:fld id="{D94A8848-6086-4338-A048-A99EFE48AAD3}" type="slidenum">
+            <a:fld id="{BB68E5CE-44A1-4A8F-B04F-0B6DAD476FB7}" type="slidenum">
               <a:rPr lang="zh-CN" altLang="en-US" smtClean="0"/>
               <a:t>‹#›</a:t>
             </a:fld>
@@ -2726,7 +2726,7 @@
     </p:spTree>
     <p:extLst>
       <p:ext uri="{BB962C8B-B14F-4D97-AF65-F5344CB8AC3E}">
-        <p14:creationId xmlns:p14="http://schemas.microsoft.com/office/powerpoint/2010/main" val="2407695943"/>
+        <p14:creationId xmlns:p14="http://schemas.microsoft.com/office/powerpoint/2010/main" val="1567325528"/>
       </p:ext>
     </p:extLst>
   </p:cSld>
@@ -2763,7 +2763,7 @@
           <p:cNvPr id="2" name="标题占位符 1">
             <a:extLst>
               <a:ext uri="{FF2B5EF4-FFF2-40B4-BE49-F238E27FC236}">
-                <a16:creationId xmlns:a16="http://schemas.microsoft.com/office/drawing/2014/main" id="{7EDC4CA7-8EBE-9B5F-085A-37ED8F89B902}"/>
+                <a16:creationId xmlns:a16="http://schemas.microsoft.com/office/drawing/2014/main" id="{95ACF03F-93D7-1129-F374-70D930B30C13}"/>
               </a:ext>
             </a:extLst>
           </p:cNvPr>
@@ -2801,7 +2801,7 @@
           <p:cNvPr id="3" name="文本占位符 2">
             <a:extLst>
               <a:ext uri="{FF2B5EF4-FFF2-40B4-BE49-F238E27FC236}">
-                <a16:creationId xmlns:a16="http://schemas.microsoft.com/office/drawing/2014/main" id="{0A7D5E23-74BF-E23A-61EE-D667462C3DF4}"/>
+                <a16:creationId xmlns:a16="http://schemas.microsoft.com/office/drawing/2014/main" id="{DCC6C013-C009-3B78-4787-56BCC7BE991E}"/>
               </a:ext>
             </a:extLst>
           </p:cNvPr>
@@ -2868,7 +2868,7 @@
           <p:cNvPr id="4" name="日期占位符 3">
             <a:extLst>
               <a:ext uri="{FF2B5EF4-FFF2-40B4-BE49-F238E27FC236}">
-                <a16:creationId xmlns:a16="http://schemas.microsoft.com/office/drawing/2014/main" id="{721C05BE-13AE-C05B-9E8A-A6BB85BC4F40}"/>
+                <a16:creationId xmlns:a16="http://schemas.microsoft.com/office/drawing/2014/main" id="{75EFD646-DDF6-1D0D-BC46-02CDBD09CCCA}"/>
               </a:ext>
             </a:extLst>
           </p:cNvPr>
@@ -2902,7 +2902,7 @@
             </a:lvl1pPr>
           </a:lstStyle>
           <a:p>
-            <a:fld id="{BE750D46-49B0-41B1-B09B-2F74BE509FB5}" type="datetimeFigureOut">
+            <a:fld id="{B7D6264F-0FE8-40AB-8D76-76976CEDDABD}" type="datetimeFigureOut">
               <a:rPr lang="zh-CN" altLang="en-US" smtClean="0"/>
               <a:t>2024/3/10</a:t>
             </a:fld>
@@ -2915,7 +2915,7 @@
           <p:cNvPr id="5" name="页脚占位符 4">
             <a:extLst>
               <a:ext uri="{FF2B5EF4-FFF2-40B4-BE49-F238E27FC236}">
-                <a16:creationId xmlns:a16="http://schemas.microsoft.com/office/drawing/2014/main" id="{78A7E1C8-51A6-D61A-6BED-D82FAD1561BD}"/>
+                <a16:creationId xmlns:a16="http://schemas.microsoft.com/office/drawing/2014/main" id="{7B68C08C-8AF6-C11E-4E10-FABC1F52C85D}"/>
               </a:ext>
             </a:extLst>
           </p:cNvPr>
@@ -2958,7 +2958,7 @@
           <p:cNvPr id="6" name="灯片编号占位符 5">
             <a:extLst>
               <a:ext uri="{FF2B5EF4-FFF2-40B4-BE49-F238E27FC236}">
-                <a16:creationId xmlns:a16="http://schemas.microsoft.com/office/drawing/2014/main" id="{4D5C8060-B830-6845-3A9D-CEE3C66C559A}"/>
+                <a16:creationId xmlns:a16="http://schemas.microsoft.com/office/drawing/2014/main" id="{2A1D715A-0203-2A4A-B100-2B32AE4E3B5A}"/>
               </a:ext>
             </a:extLst>
           </p:cNvPr>
@@ -2992,7 +2992,7 @@
             </a:lvl1pPr>
           </a:lstStyle>
           <a:p>
-            <a:fld id="{D94A8848-6086-4338-A048-A99EFE48AAD3}" type="slidenum">
+            <a:fld id="{BB68E5CE-44A1-4A8F-B04F-0B6DAD476FB7}" type="slidenum">
               <a:rPr lang="zh-CN" altLang="en-US" smtClean="0"/>
               <a:t>‹#›</a:t>
             </a:fld>
@@ -3003,7 +3003,7 @@
     </p:spTree>
     <p:extLst>
       <p:ext uri="{BB962C8B-B14F-4D97-AF65-F5344CB8AC3E}">
-        <p14:creationId xmlns:p14="http://schemas.microsoft.com/office/powerpoint/2010/main" val="3837755019"/>
+        <p14:creationId xmlns:p14="http://schemas.microsoft.com/office/powerpoint/2010/main" val="1959910094"/>
       </p:ext>
     </p:extLst>
   </p:cSld>
